--- a/Presentation.pptx
+++ b/Presentation.pptx
@@ -125,16 +125,38 @@
 <file path=ppt/revisionInfo.xml><?xml version="1.0" encoding="utf-8"?>
 <p1510:revInfo xmlns:a="http://schemas.openxmlformats.org/drawingml/2006/main" xmlns:r="http://schemas.openxmlformats.org/officeDocument/2006/relationships" xmlns:p1510="http://schemas.microsoft.com/office/powerpoint/2015/10/main">
   <p1510:revLst>
-    <p1510:client id="{231018C7-02DC-441B-A851-AA54CC4C3D0A}" v="3948" dt="2022-04-06T16:15:10.232"/>
-    <p1510:client id="{3B83F296-3B55-E1B8-063C-7F33677D7380}" v="765" dt="2022-04-05T21:19:19.242"/>
-    <p1510:client id="{6BFE76B9-E225-4077-8AAE-D827571C0F88}" v="4" vWet="5" dt="2022-04-05T18:51:33.022"/>
-    <p1510:client id="{6D80890B-CEAD-B414-E9E0-AED9D0953512}" v="2" dt="2022-04-06T15:19:49.750"/>
-    <p1510:client id="{70FE02DF-ACC9-42E8-A3BB-01150B414111}" v="17" vWet="18" dt="2022-04-05T15:33:42.563"/>
-    <p1510:client id="{B0908145-4BBE-14B8-6ABE-3C906E469D14}" v="35" dt="2022-04-05T21:38:02.742"/>
-    <p1510:client id="{E1DB8649-B5D4-11A1-6D50-E5805ECCA085}" v="49" dt="2022-04-05T20:22:06.636"/>
-    <p1510:client id="{F69A5142-422E-567F-3CA2-77A956A8DA91}" v="692" dt="2022-04-05T21:16:40.730"/>
+    <p1510:client id="{2F25CF6A-4328-49C9-84C0-2E371C84F08F}" v="1" dt="2022-04-08T12:50:36.662"/>
   </p1510:revLst>
 </p1510:revInfo>
+</file>
+
+<file path=ppt/changesInfos/changesInfo1.xml><?xml version="1.0" encoding="utf-8"?>
+<pc:chgInfo xmlns:a="http://schemas.openxmlformats.org/drawingml/2006/main" xmlns:r="http://schemas.openxmlformats.org/officeDocument/2006/relationships" xmlns:ac="http://schemas.microsoft.com/office/drawing/2013/main/command" xmlns:pc="http://schemas.microsoft.com/office/powerpoint/2013/main/command">
+  <pc:docChgLst>
+    <pc:chgData name="James M" userId="5854db7b9d972701" providerId="LiveId" clId="{2F25CF6A-4328-49C9-84C0-2E371C84F08F}"/>
+    <pc:docChg chg="modSld">
+      <pc:chgData name="James M" userId="5854db7b9d972701" providerId="LiveId" clId="{2F25CF6A-4328-49C9-84C0-2E371C84F08F}" dt="2022-04-08T12:51:35.701" v="75" actId="20577"/>
+      <pc:docMkLst>
+        <pc:docMk/>
+      </pc:docMkLst>
+      <pc:sldChg chg="modSp mod">
+        <pc:chgData name="James M" userId="5854db7b9d972701" providerId="LiveId" clId="{2F25CF6A-4328-49C9-84C0-2E371C84F08F}" dt="2022-04-08T12:51:35.701" v="75" actId="20577"/>
+        <pc:sldMkLst>
+          <pc:docMk/>
+          <pc:sldMk cId="940058233" sldId="264"/>
+        </pc:sldMkLst>
+        <pc:spChg chg="mod">
+          <ac:chgData name="James M" userId="5854db7b9d972701" providerId="LiveId" clId="{2F25CF6A-4328-49C9-84C0-2E371C84F08F}" dt="2022-04-08T12:51:35.701" v="75" actId="20577"/>
+          <ac:spMkLst>
+            <pc:docMk/>
+            <pc:sldMk cId="940058233" sldId="264"/>
+            <ac:spMk id="3" creationId="{59E5A971-2197-4C98-96E8-6529D8CD9488}"/>
+          </ac:spMkLst>
+        </pc:spChg>
+      </pc:sldChg>
+    </pc:docChg>
+  </pc:docChgLst>
+</pc:chgInfo>
 </file>
 
 <file path=ppt/slideLayouts/slideLayout1.xml><?xml version="1.0" encoding="utf-8"?>
@@ -232,7 +254,7 @@
           <a:effectLst/>
           <a:extLst>
             <a:ext uri="{91240B29-F687-4f45-9708-019B960494DF}">
-              <a14:hiddenLine xmlns:a14="http://schemas.microsoft.com/office/drawing/2010/main" xmlns="" w="9525">
+              <a14:hiddenLine xmlns="" xmlns:a14="http://schemas.microsoft.com/office/drawing/2010/main" w="9525">
                 <a:solidFill>
                   <a:srgbClr val="000000"/>
                 </a:solidFill>
@@ -1748,7 +1770,7 @@
           <a:ln/>
           <a:extLst>
             <a:ext uri="{91240B29-F687-4f45-9708-019B960494DF}">
-              <a14:hiddenLine xmlns:a14="http://schemas.microsoft.com/office/drawing/2010/main" xmlns="" w="9525">
+              <a14:hiddenLine xmlns="" xmlns:a14="http://schemas.microsoft.com/office/drawing/2010/main" w="9525">
                 <a:solidFill>
                   <a:srgbClr val="000000"/>
                 </a:solidFill>
@@ -2021,7 +2043,7 @@
           <a:ln/>
           <a:extLst>
             <a:ext uri="{91240B29-F687-4f45-9708-019B960494DF}">
-              <a14:hiddenLine xmlns:a14="http://schemas.microsoft.com/office/drawing/2010/main" xmlns="" w="9525">
+              <a14:hiddenLine xmlns="" xmlns:a14="http://schemas.microsoft.com/office/drawing/2010/main" w="9525">
                 <a:solidFill>
                   <a:srgbClr val="000000"/>
                 </a:solidFill>
@@ -2302,7 +2324,7 @@
           <a:ln/>
           <a:extLst>
             <a:ext uri="{91240B29-F687-4f45-9708-019B960494DF}">
-              <a14:hiddenLine xmlns:a14="http://schemas.microsoft.com/office/drawing/2010/main" xmlns="" w="9525">
+              <a14:hiddenLine xmlns="" xmlns:a14="http://schemas.microsoft.com/office/drawing/2010/main" w="9525">
                 <a:solidFill>
                   <a:srgbClr val="000000"/>
                 </a:solidFill>
@@ -2925,7 +2947,7 @@
           <a:ln/>
           <a:extLst>
             <a:ext uri="{91240B29-F687-4f45-9708-019B960494DF}">
-              <a14:hiddenLine xmlns:a14="http://schemas.microsoft.com/office/drawing/2010/main" xmlns="" w="9525">
+              <a14:hiddenLine xmlns="" xmlns:a14="http://schemas.microsoft.com/office/drawing/2010/main" w="9525">
                 <a:solidFill>
                   <a:srgbClr val="000000"/>
                 </a:solidFill>
@@ -3261,7 +3283,7 @@
           <a:ln/>
           <a:extLst>
             <a:ext uri="{91240B29-F687-4f45-9708-019B960494DF}">
-              <a14:hiddenLine xmlns:a14="http://schemas.microsoft.com/office/drawing/2010/main" xmlns="" w="9525">
+              <a14:hiddenLine xmlns="" xmlns:a14="http://schemas.microsoft.com/office/drawing/2010/main" w="9525">
                 <a:solidFill>
                   <a:srgbClr val="000000"/>
                 </a:solidFill>
@@ -3735,7 +3757,7 @@
           <a:ln/>
           <a:extLst>
             <a:ext uri="{91240B29-F687-4f45-9708-019B960494DF}">
-              <a14:hiddenLine xmlns:a14="http://schemas.microsoft.com/office/drawing/2010/main" xmlns="" w="9525">
+              <a14:hiddenLine xmlns="" xmlns:a14="http://schemas.microsoft.com/office/drawing/2010/main" w="9525">
                 <a:solidFill>
                   <a:srgbClr val="000000"/>
                 </a:solidFill>
@@ -4163,7 +4185,7 @@
           <a:ln/>
           <a:extLst>
             <a:ext uri="{91240B29-F687-4f45-9708-019B960494DF}">
-              <a14:hiddenLine xmlns:a14="http://schemas.microsoft.com/office/drawing/2010/main" xmlns="" w="9525">
+              <a14:hiddenLine xmlns="" xmlns:a14="http://schemas.microsoft.com/office/drawing/2010/main" w="9525">
                 <a:solidFill>
                   <a:srgbClr val="000000"/>
                 </a:solidFill>
@@ -6693,7 +6715,84 @@
           <a:bodyPr/>
           <a:lstStyle/>
           <a:p>
-            <a:endParaRPr lang="en-GB"/>
+            <a:pPr marL="0" indent="0">
+              <a:buNone/>
+            </a:pPr>
+            <a:r>
+              <a:rPr lang="en-GB" dirty="0"/>
+              <a:t>Torch icon: Charlie </a:t>
+            </a:r>
+            <a:r>
+              <a:rPr lang="en-GB" dirty="0" err="1"/>
+              <a:t>Ogilby</a:t>
+            </a:r>
+            <a:endParaRPr lang="en-GB" dirty="0"/>
+          </a:p>
+          <a:p>
+            <a:pPr marL="0" indent="0">
+              <a:buNone/>
+            </a:pPr>
+            <a:r>
+              <a:rPr lang="en-GB" dirty="0"/>
+              <a:t>Heart icons: Charlie McClements</a:t>
+            </a:r>
+          </a:p>
+          <a:p>
+            <a:pPr marL="0" indent="0">
+              <a:buNone/>
+            </a:pPr>
+            <a:r>
+              <a:rPr lang="en-GB" dirty="0"/>
+              <a:t>Challenge 1 art: Charlie McClements</a:t>
+            </a:r>
+          </a:p>
+          <a:p>
+            <a:pPr marL="0" indent="0">
+              <a:buNone/>
+            </a:pPr>
+            <a:r>
+              <a:rPr lang="en-GB" dirty="0"/>
+              <a:t>Plates Challenge Art: Charlie McClements</a:t>
+            </a:r>
+          </a:p>
+          <a:p>
+            <a:pPr marL="0" indent="0">
+              <a:buNone/>
+            </a:pPr>
+            <a:r>
+              <a:rPr lang="en-GB" dirty="0"/>
+              <a:t>Spider challenge spider image: </a:t>
+            </a:r>
+            <a:r>
+              <a:rPr lang="en-GB" dirty="0">
+                <a:hlinkClick r:id="rId2"/>
+              </a:rPr>
+              <a:t>https://www.pikpng.com/downpngs/wiowbT_tarantula-spider-pixel-art-clipart/</a:t>
+            </a:r>
+            <a:r>
+              <a:rPr lang="en-GB" dirty="0"/>
+              <a:t> </a:t>
+            </a:r>
+            <a:r>
+              <a:rPr lang="en-GB"/>
+              <a:t>(free to use)</a:t>
+            </a:r>
+            <a:endParaRPr lang="en-GB" dirty="0"/>
+          </a:p>
+          <a:p>
+            <a:pPr marL="0" indent="0">
+              <a:buNone/>
+            </a:pPr>
+            <a:endParaRPr lang="en-GB" dirty="0"/>
+          </a:p>
+          <a:p>
+            <a:pPr marL="0" indent="0">
+              <a:buNone/>
+            </a:pPr>
+            <a:r>
+              <a:rPr lang="en-GB" dirty="0"/>
+              <a:t>All copyright conditions have been satisfied.</a:t>
+            </a:r>
           </a:p>
         </p:txBody>
       </p:sp>

--- a/Presentation.pptx
+++ b/Presentation.pptx
@@ -134,19 +134,19 @@
 <pc:chgInfo xmlns:a="http://schemas.openxmlformats.org/drawingml/2006/main" xmlns:r="http://schemas.openxmlformats.org/officeDocument/2006/relationships" xmlns:ac="http://schemas.microsoft.com/office/drawing/2013/main/command" xmlns:pc="http://schemas.microsoft.com/office/powerpoint/2013/main/command">
   <pc:docChgLst>
     <pc:chgData name="James M" userId="5854db7b9d972701" providerId="LiveId" clId="{2F25CF6A-4328-49C9-84C0-2E371C84F08F}"/>
-    <pc:docChg chg="modSld">
-      <pc:chgData name="James M" userId="5854db7b9d972701" providerId="LiveId" clId="{2F25CF6A-4328-49C9-84C0-2E371C84F08F}" dt="2022-04-08T12:51:35.701" v="75" actId="20577"/>
+    <pc:docChg chg="undo custSel modSld">
+      <pc:chgData name="James M" userId="5854db7b9d972701" providerId="LiveId" clId="{2F25CF6A-4328-49C9-84C0-2E371C84F08F}" dt="2022-04-08T12:57:56.624" v="112"/>
       <pc:docMkLst>
         <pc:docMk/>
       </pc:docMkLst>
       <pc:sldChg chg="modSp mod">
-        <pc:chgData name="James M" userId="5854db7b9d972701" providerId="LiveId" clId="{2F25CF6A-4328-49C9-84C0-2E371C84F08F}" dt="2022-04-08T12:51:35.701" v="75" actId="20577"/>
+        <pc:chgData name="James M" userId="5854db7b9d972701" providerId="LiveId" clId="{2F25CF6A-4328-49C9-84C0-2E371C84F08F}" dt="2022-04-08T12:57:56.624" v="112"/>
         <pc:sldMkLst>
           <pc:docMk/>
           <pc:sldMk cId="940058233" sldId="264"/>
         </pc:sldMkLst>
         <pc:spChg chg="mod">
-          <ac:chgData name="James M" userId="5854db7b9d972701" providerId="LiveId" clId="{2F25CF6A-4328-49C9-84C0-2E371C84F08F}" dt="2022-04-08T12:51:35.701" v="75" actId="20577"/>
+          <ac:chgData name="James M" userId="5854db7b9d972701" providerId="LiveId" clId="{2F25CF6A-4328-49C9-84C0-2E371C84F08F}" dt="2022-04-08T12:57:56.624" v="112"/>
           <ac:spMkLst>
             <pc:docMk/>
             <pc:sldMk cId="940058233" sldId="264"/>
@@ -254,7 +254,7 @@
           <a:effectLst/>
           <a:extLst>
             <a:ext uri="{91240B29-F687-4f45-9708-019B960494DF}">
-              <a14:hiddenLine xmlns="" xmlns:a14="http://schemas.microsoft.com/office/drawing/2010/main" w="9525">
+              <a14:hiddenLine xmlns:a14="http://schemas.microsoft.com/office/drawing/2010/main" xmlns="" w="9525">
                 <a:solidFill>
                   <a:srgbClr val="000000"/>
                 </a:solidFill>
@@ -444,7 +444,7 @@
           <a:p>
             <a:fld id="{9826BB93-E951-43DF-B38D-73F04CF3BD15}" type="datetimeFigureOut">
               <a:rPr lang="en-GB" smtClean="0"/>
-              <a:t>06/04/2022</a:t>
+              <a:t>08/04/2022</a:t>
             </a:fld>
             <a:endParaRPr lang="en-GB"/>
           </a:p>
@@ -760,7 +760,7 @@
           <a:p>
             <a:fld id="{9826BB93-E951-43DF-B38D-73F04CF3BD15}" type="datetimeFigureOut">
               <a:rPr lang="en-GB" smtClean="0"/>
-              <a:t>06/04/2022</a:t>
+              <a:t>08/04/2022</a:t>
             </a:fld>
             <a:endParaRPr lang="en-GB"/>
           </a:p>
@@ -1247,7 +1247,7 @@
           <a:p>
             <a:fld id="{9826BB93-E951-43DF-B38D-73F04CF3BD15}" type="datetimeFigureOut">
               <a:rPr lang="en-GB" smtClean="0"/>
-              <a:t>06/04/2022</a:t>
+              <a:t>08/04/2022</a:t>
             </a:fld>
             <a:endParaRPr lang="en-GB"/>
           </a:p>
@@ -1615,7 +1615,7 @@
           <a:p>
             <a:fld id="{9826BB93-E951-43DF-B38D-73F04CF3BD15}" type="datetimeFigureOut">
               <a:rPr lang="en-GB" smtClean="0"/>
-              <a:t>06/04/2022</a:t>
+              <a:t>08/04/2022</a:t>
             </a:fld>
             <a:endParaRPr lang="en-GB"/>
           </a:p>
@@ -1770,7 +1770,7 @@
           <a:ln/>
           <a:extLst>
             <a:ext uri="{91240B29-F687-4f45-9708-019B960494DF}">
-              <a14:hiddenLine xmlns="" xmlns:a14="http://schemas.microsoft.com/office/drawing/2010/main" w="9525">
+              <a14:hiddenLine xmlns:a14="http://schemas.microsoft.com/office/drawing/2010/main" xmlns="" w="9525">
                 <a:solidFill>
                   <a:srgbClr val="000000"/>
                 </a:solidFill>
@@ -1886,7 +1886,7 @@
           <a:p>
             <a:fld id="{9826BB93-E951-43DF-B38D-73F04CF3BD15}" type="datetimeFigureOut">
               <a:rPr lang="en-GB" smtClean="0"/>
-              <a:t>06/04/2022</a:t>
+              <a:t>08/04/2022</a:t>
             </a:fld>
             <a:endParaRPr lang="en-GB"/>
           </a:p>
@@ -2043,7 +2043,7 @@
           <a:ln/>
           <a:extLst>
             <a:ext uri="{91240B29-F687-4f45-9708-019B960494DF}">
-              <a14:hiddenLine xmlns="" xmlns:a14="http://schemas.microsoft.com/office/drawing/2010/main" w="9525">
+              <a14:hiddenLine xmlns:a14="http://schemas.microsoft.com/office/drawing/2010/main" xmlns="" w="9525">
                 <a:solidFill>
                   <a:srgbClr val="000000"/>
                 </a:solidFill>
@@ -2169,7 +2169,7 @@
           <a:p>
             <a:fld id="{9826BB93-E951-43DF-B38D-73F04CF3BD15}" type="datetimeFigureOut">
               <a:rPr lang="en-GB" smtClean="0"/>
-              <a:t>06/04/2022</a:t>
+              <a:t>08/04/2022</a:t>
             </a:fld>
             <a:endParaRPr lang="en-GB"/>
           </a:p>
@@ -2324,7 +2324,7 @@
           <a:ln/>
           <a:extLst>
             <a:ext uri="{91240B29-F687-4f45-9708-019B960494DF}">
-              <a14:hiddenLine xmlns="" xmlns:a14="http://schemas.microsoft.com/office/drawing/2010/main" w="9525">
+              <a14:hiddenLine xmlns:a14="http://schemas.microsoft.com/office/drawing/2010/main" xmlns="" w="9525">
                 <a:solidFill>
                   <a:srgbClr val="000000"/>
                 </a:solidFill>
@@ -2450,7 +2450,7 @@
           <a:p>
             <a:fld id="{9826BB93-E951-43DF-B38D-73F04CF3BD15}" type="datetimeFigureOut">
               <a:rPr lang="en-GB" smtClean="0"/>
-              <a:t>06/04/2022</a:t>
+              <a:t>08/04/2022</a:t>
             </a:fld>
             <a:endParaRPr lang="en-GB"/>
           </a:p>
@@ -2792,7 +2792,7 @@
           <a:p>
             <a:fld id="{9826BB93-E951-43DF-B38D-73F04CF3BD15}" type="datetimeFigureOut">
               <a:rPr lang="en-GB" smtClean="0"/>
-              <a:t>06/04/2022</a:t>
+              <a:t>08/04/2022</a:t>
             </a:fld>
             <a:endParaRPr lang="en-GB"/>
           </a:p>
@@ -2947,7 +2947,7 @@
           <a:ln/>
           <a:extLst>
             <a:ext uri="{91240B29-F687-4f45-9708-019B960494DF}">
-              <a14:hiddenLine xmlns="" xmlns:a14="http://schemas.microsoft.com/office/drawing/2010/main" w="9525">
+              <a14:hiddenLine xmlns:a14="http://schemas.microsoft.com/office/drawing/2010/main" xmlns="" w="9525">
                 <a:solidFill>
                   <a:srgbClr val="000000"/>
                 </a:solidFill>
@@ -3128,7 +3128,7 @@
           <a:p>
             <a:fld id="{9826BB93-E951-43DF-B38D-73F04CF3BD15}" type="datetimeFigureOut">
               <a:rPr lang="en-GB" smtClean="0"/>
-              <a:t>06/04/2022</a:t>
+              <a:t>08/04/2022</a:t>
             </a:fld>
             <a:endParaRPr lang="en-GB"/>
           </a:p>
@@ -3283,7 +3283,7 @@
           <a:ln/>
           <a:extLst>
             <a:ext uri="{91240B29-F687-4f45-9708-019B960494DF}">
-              <a14:hiddenLine xmlns="" xmlns:a14="http://schemas.microsoft.com/office/drawing/2010/main" w="9525">
+              <a14:hiddenLine xmlns:a14="http://schemas.microsoft.com/office/drawing/2010/main" xmlns="" w="9525">
                 <a:solidFill>
                   <a:srgbClr val="000000"/>
                 </a:solidFill>
@@ -3602,7 +3602,7 @@
           <a:p>
             <a:fld id="{9826BB93-E951-43DF-B38D-73F04CF3BD15}" type="datetimeFigureOut">
               <a:rPr lang="en-GB" smtClean="0"/>
-              <a:t>06/04/2022</a:t>
+              <a:t>08/04/2022</a:t>
             </a:fld>
             <a:endParaRPr lang="en-GB"/>
           </a:p>
@@ -3757,7 +3757,7 @@
           <a:ln/>
           <a:extLst>
             <a:ext uri="{91240B29-F687-4f45-9708-019B960494DF}">
-              <a14:hiddenLine xmlns="" xmlns:a14="http://schemas.microsoft.com/office/drawing/2010/main" w="9525">
+              <a14:hiddenLine xmlns:a14="http://schemas.microsoft.com/office/drawing/2010/main" xmlns="" w="9525">
                 <a:solidFill>
                   <a:srgbClr val="000000"/>
                 </a:solidFill>
@@ -3822,7 +3822,7 @@
           <a:p>
             <a:fld id="{9826BB93-E951-43DF-B38D-73F04CF3BD15}" type="datetimeFigureOut">
               <a:rPr lang="en-GB" smtClean="0"/>
-              <a:t>06/04/2022</a:t>
+              <a:t>08/04/2022</a:t>
             </a:fld>
             <a:endParaRPr lang="en-GB"/>
           </a:p>
@@ -3917,7 +3917,7 @@
           <a:p>
             <a:fld id="{9826BB93-E951-43DF-B38D-73F04CF3BD15}" type="datetimeFigureOut">
               <a:rPr lang="en-GB" smtClean="0"/>
-              <a:t>06/04/2022</a:t>
+              <a:t>08/04/2022</a:t>
             </a:fld>
             <a:endParaRPr lang="en-GB"/>
           </a:p>
@@ -4185,7 +4185,7 @@
           <a:ln/>
           <a:extLst>
             <a:ext uri="{91240B29-F687-4f45-9708-019B960494DF}">
-              <a14:hiddenLine xmlns="" xmlns:a14="http://schemas.microsoft.com/office/drawing/2010/main" w="9525">
+              <a14:hiddenLine xmlns:a14="http://schemas.microsoft.com/office/drawing/2010/main" xmlns="" w="9525">
                 <a:solidFill>
                   <a:srgbClr val="000000"/>
                 </a:solidFill>
@@ -4382,7 +4382,7 @@
           <a:p>
             <a:fld id="{9826BB93-E951-43DF-B38D-73F04CF3BD15}" type="datetimeFigureOut">
               <a:rPr lang="en-GB" smtClean="0"/>
-              <a:t>06/04/2022</a:t>
+              <a:t>08/04/2022</a:t>
             </a:fld>
             <a:endParaRPr lang="en-GB"/>
           </a:p>
@@ -4693,7 +4693,7 @@
           <a:p>
             <a:fld id="{9826BB93-E951-43DF-B38D-73F04CF3BD15}" type="datetimeFigureOut">
               <a:rPr lang="en-GB" smtClean="0"/>
-              <a:t>06/04/2022</a:t>
+              <a:t>08/04/2022</a:t>
             </a:fld>
             <a:endParaRPr lang="en-GB"/>
           </a:p>
@@ -4961,7 +4961,7 @@
           <a:p>
             <a:fld id="{9826BB93-E951-43DF-B38D-73F04CF3BD15}" type="datetimeFigureOut">
               <a:rPr lang="en-GB" smtClean="0"/>
-              <a:t>06/04/2022</a:t>
+              <a:t>08/04/2022</a:t>
             </a:fld>
             <a:endParaRPr lang="en-GB"/>
           </a:p>
@@ -6771,11 +6771,20 @@
             </a:r>
             <a:r>
               <a:rPr lang="en-GB" dirty="0"/>
-              <a:t> </a:t>
+              <a:t> (free to use)</a:t>
+            </a:r>
+          </a:p>
+          <a:p>
+            <a:pPr marL="0" indent="0">
+              <a:buNone/>
+            </a:pPr>
+            <a:r>
+              <a:rPr lang="en-GB" dirty="0"/>
+              <a:t>Landing screen video</a:t>
             </a:r>
             <a:r>
               <a:rPr lang="en-GB"/>
-              <a:t>(free to use)</a:t>
+              <a:t>: https://www.pexels.com/video/lighted-candle-855262/</a:t>
             </a:r>
             <a:endParaRPr lang="en-GB" dirty="0"/>
           </a:p>
